--- a/poster/2024bthesis_tsugihara_poster.pptx
+++ b/poster/2024bthesis_tsugihara_poster.pptx
@@ -197,7 +197,7 @@
           <a:p>
             <a:fld id="{C3E08FB8-2C77-BD4A-81D8-C950408949CE}" type="datetimeFigureOut">
               <a:rPr kumimoji="1" lang="ja-JP" altLang="en-US" smtClean="0"/>
-              <a:t>2025/2/9</a:t>
+              <a:t>2025/2/18</a:t>
             </a:fld>
             <a:endParaRPr kumimoji="1" lang="ja-JP" altLang="en-US"/>
           </a:p>
@@ -711,7 +711,7 @@
           <a:p>
             <a:fld id="{6EF7F9D6-0EB4-E74D-BD96-507F3556B826}" type="datetimeFigureOut">
               <a:rPr kumimoji="1" lang="ja-JP" altLang="en-US" smtClean="0"/>
-              <a:t>2025/2/9</a:t>
+              <a:t>2025/2/18</a:t>
             </a:fld>
             <a:endParaRPr kumimoji="1" lang="ja-JP" altLang="en-US"/>
           </a:p>
@@ -913,7 +913,7 @@
           <a:p>
             <a:fld id="{6EF7F9D6-0EB4-E74D-BD96-507F3556B826}" type="datetimeFigureOut">
               <a:rPr kumimoji="1" lang="ja-JP" altLang="en-US" smtClean="0"/>
-              <a:t>2025/2/9</a:t>
+              <a:t>2025/2/18</a:t>
             </a:fld>
             <a:endParaRPr kumimoji="1" lang="ja-JP" altLang="en-US"/>
           </a:p>
@@ -1125,7 +1125,7 @@
           <a:p>
             <a:fld id="{6EF7F9D6-0EB4-E74D-BD96-507F3556B826}" type="datetimeFigureOut">
               <a:rPr kumimoji="1" lang="ja-JP" altLang="en-US" smtClean="0"/>
-              <a:t>2025/2/9</a:t>
+              <a:t>2025/2/18</a:t>
             </a:fld>
             <a:endParaRPr kumimoji="1" lang="ja-JP" altLang="en-US"/>
           </a:p>
@@ -1327,7 +1327,7 @@
           <a:p>
             <a:fld id="{6EF7F9D6-0EB4-E74D-BD96-507F3556B826}" type="datetimeFigureOut">
               <a:rPr kumimoji="1" lang="ja-JP" altLang="en-US" smtClean="0"/>
-              <a:t>2025/2/9</a:t>
+              <a:t>2025/2/18</a:t>
             </a:fld>
             <a:endParaRPr kumimoji="1" lang="ja-JP" altLang="en-US"/>
           </a:p>
@@ -1573,7 +1573,7 @@
           <a:p>
             <a:fld id="{6EF7F9D6-0EB4-E74D-BD96-507F3556B826}" type="datetimeFigureOut">
               <a:rPr kumimoji="1" lang="ja-JP" altLang="en-US" smtClean="0"/>
-              <a:t>2025/2/9</a:t>
+              <a:t>2025/2/18</a:t>
             </a:fld>
             <a:endParaRPr kumimoji="1" lang="ja-JP" altLang="en-US"/>
           </a:p>
@@ -1869,7 +1869,7 @@
           <a:p>
             <a:fld id="{6EF7F9D6-0EB4-E74D-BD96-507F3556B826}" type="datetimeFigureOut">
               <a:rPr kumimoji="1" lang="ja-JP" altLang="en-US" smtClean="0"/>
-              <a:t>2025/2/9</a:t>
+              <a:t>2025/2/18</a:t>
             </a:fld>
             <a:endParaRPr kumimoji="1" lang="ja-JP" altLang="en-US"/>
           </a:p>
@@ -2300,7 +2300,7 @@
           <a:p>
             <a:fld id="{6EF7F9D6-0EB4-E74D-BD96-507F3556B826}" type="datetimeFigureOut">
               <a:rPr kumimoji="1" lang="ja-JP" altLang="en-US" smtClean="0"/>
-              <a:t>2025/2/9</a:t>
+              <a:t>2025/2/18</a:t>
             </a:fld>
             <a:endParaRPr kumimoji="1" lang="ja-JP" altLang="en-US"/>
           </a:p>
@@ -2418,7 +2418,7 @@
           <a:p>
             <a:fld id="{6EF7F9D6-0EB4-E74D-BD96-507F3556B826}" type="datetimeFigureOut">
               <a:rPr kumimoji="1" lang="ja-JP" altLang="en-US" smtClean="0"/>
-              <a:t>2025/2/9</a:t>
+              <a:t>2025/2/18</a:t>
             </a:fld>
             <a:endParaRPr kumimoji="1" lang="ja-JP" altLang="en-US"/>
           </a:p>
@@ -2513,7 +2513,7 @@
           <a:p>
             <a:fld id="{6EF7F9D6-0EB4-E74D-BD96-507F3556B826}" type="datetimeFigureOut">
               <a:rPr kumimoji="1" lang="ja-JP" altLang="en-US" smtClean="0"/>
-              <a:t>2025/2/9</a:t>
+              <a:t>2025/2/18</a:t>
             </a:fld>
             <a:endParaRPr kumimoji="1" lang="ja-JP" altLang="en-US"/>
           </a:p>
@@ -2822,7 +2822,7 @@
           <a:p>
             <a:fld id="{6EF7F9D6-0EB4-E74D-BD96-507F3556B826}" type="datetimeFigureOut">
               <a:rPr kumimoji="1" lang="ja-JP" altLang="en-US" smtClean="0"/>
-              <a:t>2025/2/9</a:t>
+              <a:t>2025/2/18</a:t>
             </a:fld>
             <a:endParaRPr kumimoji="1" lang="ja-JP" altLang="en-US"/>
           </a:p>
@@ -3079,7 +3079,7 @@
           <a:p>
             <a:fld id="{6EF7F9D6-0EB4-E74D-BD96-507F3556B826}" type="datetimeFigureOut">
               <a:rPr kumimoji="1" lang="ja-JP" altLang="en-US" smtClean="0"/>
-              <a:t>2025/2/9</a:t>
+              <a:t>2025/2/18</a:t>
             </a:fld>
             <a:endParaRPr kumimoji="1" lang="ja-JP" altLang="en-US"/>
           </a:p>
@@ -3324,7 +3324,7 @@
           <a:p>
             <a:fld id="{6EF7F9D6-0EB4-E74D-BD96-507F3556B826}" type="datetimeFigureOut">
               <a:rPr kumimoji="1" lang="ja-JP" altLang="en-US" smtClean="0"/>
-              <a:t>2025/2/9</a:t>
+              <a:t>2025/2/18</a:t>
             </a:fld>
             <a:endParaRPr kumimoji="1" lang="ja-JP" altLang="en-US"/>
           </a:p>
@@ -3839,38 +3839,31 @@
           <a:lstStyle/>
           <a:p>
             <a:r>
+              <a:rPr kumimoji="1" lang="en-US" altLang="ja-JP" sz="2000" b="1" dirty="0">
+                <a:latin typeface="Meiryo" panose="020B0604030504040204" pitchFamily="34" charset="-128"/>
+                <a:ea typeface="Meiryo" panose="020B0604030504040204" pitchFamily="34" charset="-128"/>
+              </a:rPr>
+              <a:t>Code </a:t>
+            </a:r>
+            <a:r>
+              <a:rPr kumimoji="1" lang="en-US" altLang="ja-JP" sz="2000" b="1" dirty="0" err="1">
+                <a:latin typeface="Meiryo" panose="020B0604030504040204" pitchFamily="34" charset="-128"/>
+                <a:ea typeface="Meiryo" panose="020B0604030504040204" pitchFamily="34" charset="-128"/>
+              </a:rPr>
+              <a:t>Aile</a:t>
+            </a:r>
+            <a:endParaRPr kumimoji="1" lang="en-US" altLang="ja-JP" sz="2000" b="1" dirty="0">
+              <a:latin typeface="Meiryo" panose="020B0604030504040204" pitchFamily="34" charset="-128"/>
+              <a:ea typeface="Meiryo" panose="020B0604030504040204" pitchFamily="34" charset="-128"/>
+            </a:endParaRPr>
+          </a:p>
+          <a:p>
+            <a:r>
               <a:rPr kumimoji="1" lang="ja-JP" altLang="en-US" sz="2000" b="1">
                 <a:latin typeface="Meiryo" panose="020B0604030504040204" pitchFamily="34" charset="-128"/>
                 <a:ea typeface="Meiryo" panose="020B0604030504040204" pitchFamily="34" charset="-128"/>
               </a:rPr>
-              <a:t>プログラミング習慣化のための</a:t>
-            </a:r>
-            <a:endParaRPr kumimoji="1" lang="en-US" altLang="ja-JP" sz="2000" b="1" dirty="0">
-              <a:latin typeface="Meiryo" panose="020B0604030504040204" pitchFamily="34" charset="-128"/>
-              <a:ea typeface="Meiryo" panose="020B0604030504040204" pitchFamily="34" charset="-128"/>
-            </a:endParaRPr>
-          </a:p>
-          <a:p>
-            <a:r>
-              <a:rPr kumimoji="1" lang="ja-JP" altLang="en-US" sz="2000" b="1">
-                <a:latin typeface="Meiryo" panose="020B0604030504040204" pitchFamily="34" charset="-128"/>
-                <a:ea typeface="Meiryo" panose="020B0604030504040204" pitchFamily="34" charset="-128"/>
-              </a:rPr>
-              <a:t>バーチャルペットを育成する</a:t>
-            </a:r>
-            <a:r>
-              <a:rPr kumimoji="1" lang="en-US" altLang="ja-JP" sz="2000" b="1" dirty="0" err="1">
-                <a:latin typeface="Meiryo" panose="020B0604030504040204" pitchFamily="34" charset="-128"/>
-                <a:ea typeface="Meiryo" panose="020B0604030504040204" pitchFamily="34" charset="-128"/>
-              </a:rPr>
-              <a:t>VSCode</a:t>
-            </a:r>
-            <a:r>
-              <a:rPr kumimoji="1" lang="ja-JP" altLang="en-US" sz="2000" b="1">
-                <a:latin typeface="Meiryo" panose="020B0604030504040204" pitchFamily="34" charset="-128"/>
-                <a:ea typeface="Meiryo" panose="020B0604030504040204" pitchFamily="34" charset="-128"/>
-              </a:rPr>
-              <a:t>拡張機能の提案</a:t>
+              <a:t>バーチャルペットを用いたプログラミング習慣化の試み</a:t>
             </a:r>
             <a:endParaRPr kumimoji="1" lang="en-US" altLang="ja-JP" sz="2000" b="1" dirty="0">
               <a:latin typeface="Meiryo" panose="020B0604030504040204" pitchFamily="34" charset="-128"/>
@@ -5962,8 +5955,8 @@
         </p:blipFill>
         <p:spPr bwMode="auto">
           <a:xfrm>
-            <a:off x="223052" y="7728492"/>
-            <a:ext cx="2503416" cy="1053521"/>
+            <a:off x="223052" y="7737200"/>
+            <a:ext cx="2503416" cy="1060111"/>
           </a:xfrm>
           <a:prstGeom prst="rect">
             <a:avLst/>
@@ -6009,7 +6002,7 @@
         </p:blipFill>
         <p:spPr bwMode="auto">
           <a:xfrm>
-            <a:off x="207390" y="8742392"/>
+            <a:off x="215221" y="8756682"/>
             <a:ext cx="2519078" cy="1060111"/>
           </a:xfrm>
           <a:prstGeom prst="rect">
